--- a/Föreläsningar/Presentationsteknik.pptx
+++ b/Föreläsningar/Presentationsteknik.pptx
@@ -210,7 +210,7 @@
             <a:fld id="{D591C14E-198E-48A7-ABEC-7FB80E868E55}" type="datetimeFigureOut">
               <a:rPr lang="sv-SE" smtClean="0"/>
               <a:pPr/>
-              <a:t>2013-10-30</a:t>
+              <a:t>14-10-22</a:t>
             </a:fld>
             <a:endParaRPr lang="sv-SE"/>
           </a:p>
@@ -377,7 +377,7 @@
             <a:fld id="{188BB863-C913-48B5-BD1A-638D82A0C76B}" type="datetimeFigureOut">
               <a:rPr lang="sv-SE" smtClean="0"/>
               <a:pPr/>
-              <a:t>2013-10-30</a:t>
+              <a:t>14-10-22</a:t>
             </a:fld>
             <a:endParaRPr lang="sv-SE"/>
           </a:p>
@@ -7604,7 +7604,6 @@
               <a:rPr lang="sv-SE" sz="2800" dirty="0" smtClean="0"/>
               <a:t>Blädderblock</a:t>
             </a:r>
-            <a:endParaRPr lang="sv-SE" sz="2800" dirty="0" smtClean="0"/>
           </a:p>
           <a:p>
             <a:r>
@@ -7617,16 +7616,11 @@
               <a:rPr lang="sv-SE" sz="2800" dirty="0" smtClean="0"/>
               <a:t>Smartboard</a:t>
             </a:r>
-            <a:endParaRPr lang="sv-SE" sz="2800" dirty="0" smtClean="0"/>
           </a:p>
           <a:p>
             <a:r>
               <a:rPr lang="sv-SE" sz="2800" dirty="0" smtClean="0"/>
-              <a:t>Projektor</a:t>
-            </a:r>
-            <a:r>
-              <a:rPr lang="sv-SE" sz="2800" dirty="0" smtClean="0"/>
-              <a:t>/Dator</a:t>
+              <a:t>Projektor/Dator</a:t>
             </a:r>
           </a:p>
           <a:p>
@@ -7635,11 +7629,7 @@
           <a:p>
             <a:r>
               <a:rPr lang="sv-SE" sz="2800" dirty="0" smtClean="0"/>
-              <a:t>Digitala </a:t>
-            </a:r>
-            <a:r>
-              <a:rPr lang="sv-SE" sz="2800" dirty="0" smtClean="0"/>
-              <a:t>presentationsverktyg</a:t>
+              <a:t>Digitala presentationsverktyg</a:t>
             </a:r>
             <a:r>
               <a:rPr lang="sv-SE" sz="2800" dirty="0"/>
@@ -7659,11 +7649,7 @@
             </a:r>
             <a:r>
               <a:rPr lang="sv-SE" sz="2800" dirty="0" err="1" smtClean="0"/>
-              <a:t>Impress</a:t>
-            </a:r>
-            <a:r>
-              <a:rPr lang="sv-SE" sz="2800" dirty="0" err="1" smtClean="0"/>
-              <a:t>.js</a:t>
+              <a:t>Impress.js</a:t>
             </a:r>
             <a:r>
               <a:rPr lang="sv-SE" sz="2800" dirty="0" smtClean="0"/>
@@ -7683,11 +7669,7 @@
             </a:r>
             <a:r>
               <a:rPr lang="sv-SE" sz="2800" dirty="0" smtClean="0"/>
-              <a:t>…..</a:t>
-            </a:r>
-            <a:r>
-              <a:rPr lang="sv-SE" sz="2800" dirty="0" smtClean="0"/>
-              <a:t>) </a:t>
+              <a:t>…..) </a:t>
             </a:r>
           </a:p>
           <a:p>
@@ -9137,7 +9119,7 @@
         <p:spPr>
           <a:xfrm>
             <a:off x="3419872" y="3361556"/>
-            <a:ext cx="4572000" cy="1200329"/>
+            <a:ext cx="4572000" cy="923330"/>
           </a:xfrm>
           <a:prstGeom prst="rect">
             <a:avLst/>
@@ -9151,22 +9133,15 @@
           <a:p>
             <a:r>
               <a:rPr lang="sv-SE" dirty="0"/>
-              <a:t>http://</a:t>
+              <a:t>http://lnu.se/student/vi-hjalper-dig/studenthalsan/aktiviteter/vaga-tala-</a:t>
             </a:r>
             <a:r>
               <a:rPr lang="sv-SE" dirty="0" smtClean="0"/>
-              <a:t>lnu.se/student/stod-och-service/studenthalsan/kalmar/kurser-och-grupper</a:t>
+              <a:t>kalmar</a:t>
             </a:r>
           </a:p>
           <a:p>
             <a:endParaRPr lang="sv-SE" dirty="0"/>
-          </a:p>
-          <a:p>
-            <a:r>
-              <a:rPr lang="sv-SE" i="1" dirty="0" smtClean="0"/>
-              <a:t>VT2014</a:t>
-            </a:r>
-            <a:endParaRPr lang="sv-SE" i="1" dirty="0"/>
           </a:p>
         </p:txBody>
       </p:sp>
@@ -9869,9 +9844,6 @@
               </a:rPr>
               <a:t> Inledning</a:t>
             </a:r>
-            <a:endParaRPr lang="sv-SE" sz="3200" dirty="0" smtClean="0">
-              <a:latin typeface="Minya Nouvelle" pitchFamily="2" charset="0"/>
-            </a:endParaRPr>
           </a:p>
           <a:p>
             <a:pPr marL="342900" indent="-342900">
@@ -9884,9 +9856,6 @@
               </a:rPr>
               <a:t> Mittparti</a:t>
             </a:r>
-            <a:endParaRPr lang="sv-SE" sz="3200" dirty="0" smtClean="0">
-              <a:latin typeface="Minya Nouvelle" pitchFamily="2" charset="0"/>
-            </a:endParaRPr>
           </a:p>
           <a:p>
             <a:pPr marL="342900" indent="-342900">
@@ -9899,9 +9868,6 @@
               </a:rPr>
               <a:t> Avslutning</a:t>
             </a:r>
-            <a:endParaRPr lang="sv-SE" sz="3200" dirty="0" smtClean="0">
-              <a:latin typeface="Minya Nouvelle" pitchFamily="2" charset="0"/>
-            </a:endParaRPr>
           </a:p>
         </p:txBody>
       </p:sp>

--- a/Föreläsningar/Presentationsteknik.pptx
+++ b/Föreläsningar/Presentationsteknik.pptx
@@ -5,10 +5,10 @@
     <p:sldMasterId id="2147483648" r:id="rId1"/>
   </p:sldMasterIdLst>
   <p:notesMasterIdLst>
-    <p:notesMasterId r:id="rId17"/>
+    <p:notesMasterId r:id="rId18"/>
   </p:notesMasterIdLst>
   <p:handoutMasterIdLst>
-    <p:handoutMasterId r:id="rId18"/>
+    <p:handoutMasterId r:id="rId19"/>
   </p:handoutMasterIdLst>
   <p:sldIdLst>
     <p:sldId id="261" r:id="rId2"/>
@@ -22,10 +22,11 @@
     <p:sldId id="271" r:id="rId10"/>
     <p:sldId id="272" r:id="rId11"/>
     <p:sldId id="273" r:id="rId12"/>
-    <p:sldId id="274" r:id="rId13"/>
-    <p:sldId id="276" r:id="rId14"/>
-    <p:sldId id="277" r:id="rId15"/>
-    <p:sldId id="278" r:id="rId16"/>
+    <p:sldId id="279" r:id="rId13"/>
+    <p:sldId id="274" r:id="rId14"/>
+    <p:sldId id="276" r:id="rId15"/>
+    <p:sldId id="277" r:id="rId16"/>
+    <p:sldId id="278" r:id="rId17"/>
   </p:sldIdLst>
   <p:sldSz cx="9144000" cy="5715000" type="screen16x10"/>
   <p:notesSz cx="7099300" cy="10234613"/>
@@ -714,7 +715,7 @@
             <a:fld id="{87A2DC32-3504-46EA-A4CB-95ED6A325EDF}" type="slidenum">
               <a:rPr lang="sv-SE" smtClean="0"/>
               <a:pPr/>
-              <a:t>12</a:t>
+              <a:t>13</a:t>
             </a:fld>
             <a:endParaRPr lang="sv-SE"/>
           </a:p>
@@ -7561,6 +7562,155 @@
           <a:lstStyle/>
           <a:p>
             <a:r>
+              <a:rPr lang="en-US" dirty="0" err="1" smtClean="0"/>
+              <a:t>Distans</a:t>
+            </a:r>
+            <a:endParaRPr lang="en-US" dirty="0"/>
+          </a:p>
+        </p:txBody>
+      </p:sp>
+      <p:sp>
+        <p:nvSpPr>
+          <p:cNvPr id="4" name="Subtitle 2"/>
+          <p:cNvSpPr>
+            <a:spLocks noGrp="1"/>
+          </p:cNvSpPr>
+          <p:nvPr>
+            <p:ph type="subTitle" idx="1"/>
+          </p:nvPr>
+        </p:nvSpPr>
+        <p:spPr>
+          <a:xfrm>
+            <a:off x="714348" y="1309676"/>
+            <a:ext cx="6400800" cy="3276015"/>
+          </a:xfrm>
+        </p:spPr>
+        <p:txBody>
+          <a:bodyPr/>
+          <a:lstStyle/>
+          <a:p>
+            <a:pPr marL="179388" indent="-179388">
+              <a:buFont typeface="Arial" pitchFamily="34" charset="0"/>
+              <a:buChar char="•"/>
+            </a:pPr>
+            <a:r>
+              <a:rPr lang="sv-SE" dirty="0" smtClean="0"/>
+              <a:t>Testa! Testa! Testa!</a:t>
+            </a:r>
+            <a:endParaRPr lang="sv-SE" dirty="0" smtClean="0"/>
+          </a:p>
+          <a:p>
+            <a:pPr marL="179388" indent="-179388">
+              <a:buFont typeface="Arial" pitchFamily="34" charset="0"/>
+              <a:buChar char="•"/>
+            </a:pPr>
+            <a:r>
+              <a:rPr lang="sv-SE" dirty="0" smtClean="0"/>
+              <a:t>Ljusförhållande</a:t>
+            </a:r>
+          </a:p>
+          <a:p>
+            <a:pPr marL="179388" indent="-179388">
+              <a:buFont typeface="Arial" pitchFamily="34" charset="0"/>
+              <a:buChar char="•"/>
+            </a:pPr>
+            <a:r>
+              <a:rPr lang="sv-SE" dirty="0" smtClean="0"/>
+              <a:t>Ljudförhållande</a:t>
+            </a:r>
+          </a:p>
+          <a:p>
+            <a:pPr marL="179388" indent="-179388">
+              <a:buFont typeface="Arial" pitchFamily="34" charset="0"/>
+              <a:buChar char="•"/>
+            </a:pPr>
+            <a:r>
+              <a:rPr lang="sv-SE" dirty="0" smtClean="0"/>
+              <a:t>Inspelning?</a:t>
+            </a:r>
+            <a:endParaRPr lang="sv-SE" dirty="0" smtClean="0"/>
+          </a:p>
+          <a:p>
+            <a:endParaRPr lang="sv-SE" dirty="0"/>
+          </a:p>
+        </p:txBody>
+      </p:sp>
+      <p:pic>
+        <p:nvPicPr>
+          <p:cNvPr id="5" name="Picture 4" descr="ic_mic_black_48dp.png"/>
+          <p:cNvPicPr>
+            <a:picLocks noChangeAspect="1"/>
+          </p:cNvPicPr>
+          <p:nvPr/>
+        </p:nvPicPr>
+        <p:blipFill>
+          <a:blip r:embed="rId2">
+            <a:extLst>
+              <a:ext uri="{28A0092B-C50C-407E-A947-70E740481C1C}">
+                <a14:useLocalDpi xmlns:a14="http://schemas.microsoft.com/office/drawing/2010/main" val="0"/>
+              </a:ext>
+            </a:extLst>
+          </a:blip>
+          <a:stretch>
+            <a:fillRect/>
+          </a:stretch>
+        </p:blipFill>
+        <p:spPr>
+          <a:xfrm>
+            <a:off x="4427984" y="1921396"/>
+            <a:ext cx="2952328" cy="2952328"/>
+          </a:xfrm>
+          <a:prstGeom prst="rect">
+            <a:avLst/>
+          </a:prstGeom>
+        </p:spPr>
+      </p:pic>
+    </p:spTree>
+    <p:extLst>
+      <p:ext uri="{BB962C8B-B14F-4D97-AF65-F5344CB8AC3E}">
+        <p14:creationId xmlns:p14="http://schemas.microsoft.com/office/powerpoint/2010/main" val="4093096842"/>
+      </p:ext>
+    </p:extLst>
+  </p:cSld>
+  <p:clrMapOvr>
+    <a:masterClrMapping/>
+  </p:clrMapOvr>
+</p:sld>
+</file>
+
+<file path=ppt/slides/slide13.xml><?xml version="1.0" encoding="utf-8"?>
+<p:sld xmlns:a="http://schemas.openxmlformats.org/drawingml/2006/main" xmlns:r="http://schemas.openxmlformats.org/officeDocument/2006/relationships" xmlns:p="http://schemas.openxmlformats.org/presentationml/2006/main">
+  <p:cSld>
+    <p:spTree>
+      <p:nvGrpSpPr>
+        <p:cNvPr id="1" name=""/>
+        <p:cNvGrpSpPr/>
+        <p:nvPr/>
+      </p:nvGrpSpPr>
+      <p:grpSpPr>
+        <a:xfrm>
+          <a:off x="0" y="0"/>
+          <a:ext cx="0" cy="0"/>
+          <a:chOff x="0" y="0"/>
+          <a:chExt cx="0" cy="0"/>
+        </a:xfrm>
+      </p:grpSpPr>
+      <p:sp>
+        <p:nvSpPr>
+          <p:cNvPr id="2" name="Title 1"/>
+          <p:cNvSpPr>
+            <a:spLocks noGrp="1"/>
+          </p:cNvSpPr>
+          <p:nvPr>
+            <p:ph type="ctrTitle"/>
+          </p:nvPr>
+        </p:nvSpPr>
+        <p:spPr/>
+        <p:txBody>
+          <a:bodyPr/>
+          <a:lstStyle/>
+          <a:p>
+            <a:r>
               <a:rPr lang="sv-SE" dirty="0" smtClean="0"/>
               <a:t>Hjälpmedel</a:t>
             </a:r>
@@ -7735,7 +7885,7 @@
 </p:sld>
 </file>
 
-<file path=ppt/slides/slide13.xml><?xml version="1.0" encoding="utf-8"?>
+<file path=ppt/slides/slide14.xml><?xml version="1.0" encoding="utf-8"?>
 <p:sld xmlns:a="http://schemas.openxmlformats.org/drawingml/2006/main" xmlns:r="http://schemas.openxmlformats.org/officeDocument/2006/relationships" xmlns:p="http://schemas.openxmlformats.org/presentationml/2006/main">
   <p:cSld>
     <p:spTree>
@@ -8731,7 +8881,7 @@
 </p:sld>
 </file>
 
-<file path=ppt/slides/slide14.xml><?xml version="1.0" encoding="utf-8"?>
+<file path=ppt/slides/slide15.xml><?xml version="1.0" encoding="utf-8"?>
 <p:sld xmlns:a="http://schemas.openxmlformats.org/drawingml/2006/main" xmlns:r="http://schemas.openxmlformats.org/officeDocument/2006/relationships" xmlns:p="http://schemas.openxmlformats.org/presentationml/2006/main">
   <p:cSld>
     <p:spTree>
@@ -9070,7 +9220,7 @@
 </p:sld>
 </file>
 
-<file path=ppt/slides/slide15.xml><?xml version="1.0" encoding="utf-8"?>
+<file path=ppt/slides/slide16.xml><?xml version="1.0" encoding="utf-8"?>
 <p:sld xmlns:a="http://schemas.openxmlformats.org/drawingml/2006/main" xmlns:r="http://schemas.openxmlformats.org/officeDocument/2006/relationships" xmlns:p="http://schemas.openxmlformats.org/presentationml/2006/main">
   <p:cSld>
     <p:spTree>

--- a/Föreläsningar/Presentationsteknik.pptx
+++ b/Föreläsningar/Presentationsteknik.pptx
@@ -7626,6 +7626,17 @@
             </a:pPr>
             <a:r>
               <a:rPr lang="sv-SE" dirty="0" smtClean="0"/>
+              <a:t>Försök titta i kameran</a:t>
+            </a:r>
+            <a:endParaRPr lang="sv-SE" dirty="0" smtClean="0"/>
+          </a:p>
+          <a:p>
+            <a:pPr marL="179388" indent="-179388">
+              <a:buFont typeface="Arial" pitchFamily="34" charset="0"/>
+              <a:buChar char="•"/>
+            </a:pPr>
+            <a:r>
+              <a:rPr lang="sv-SE" dirty="0" smtClean="0"/>
               <a:t>Inspelning?</a:t>
             </a:r>
             <a:endParaRPr lang="sv-SE" dirty="0" smtClean="0"/>
@@ -7657,7 +7668,7 @@
         </p:blipFill>
         <p:spPr>
           <a:xfrm>
-            <a:off x="4427984" y="1921396"/>
+            <a:off x="4572000" y="1561356"/>
             <a:ext cx="2952328" cy="2952328"/>
           </a:xfrm>
           <a:prstGeom prst="rect">
